--- a/lectures/lec01/lec01.pptx
+++ b/lectures/lec01/lec01.pptx
@@ -5,17 +5,18 @@
     <p:sldMasterId id="2147483660" r:id="rId1"/>
   </p:sldMasterIdLst>
   <p:notesMasterIdLst>
-    <p:notesMasterId r:id="rId10"/>
+    <p:notesMasterId r:id="rId11"/>
   </p:notesMasterIdLst>
   <p:sldIdLst>
     <p:sldId id="256" r:id="rId2"/>
     <p:sldId id="280" r:id="rId3"/>
     <p:sldId id="271" r:id="rId4"/>
-    <p:sldId id="272" r:id="rId5"/>
-    <p:sldId id="279" r:id="rId6"/>
-    <p:sldId id="277" r:id="rId7"/>
-    <p:sldId id="278" r:id="rId8"/>
-    <p:sldId id="269" r:id="rId9"/>
+    <p:sldId id="281" r:id="rId5"/>
+    <p:sldId id="272" r:id="rId6"/>
+    <p:sldId id="279" r:id="rId7"/>
+    <p:sldId id="277" r:id="rId8"/>
+    <p:sldId id="278" r:id="rId9"/>
+    <p:sldId id="269" r:id="rId10"/>
   </p:sldIdLst>
   <p:sldSz cx="9144000" cy="6858000" type="screen4x3"/>
   <p:notesSz cx="6858000" cy="9144000"/>
@@ -133,6 +134,10 @@
 </p:presentation>
 </file>
 
+<file path=ppt/revisionInfo.xml><?xml version="1.0" encoding="utf-8"?>
+<p1510:revInfo xmlns:a="http://schemas.openxmlformats.org/drawingml/2006/main" xmlns:r="http://schemas.openxmlformats.org/officeDocument/2006/relationships" xmlns:p1510="http://schemas.microsoft.com/office/powerpoint/2015/10/main"/>
+</file>
+
 <file path=ppt/notesMasters/notesMaster1.xml><?xml version="1.0" encoding="utf-8"?>
 <p:notesMaster xmlns:a="http://schemas.openxmlformats.org/drawingml/2006/main" xmlns:r="http://schemas.openxmlformats.org/officeDocument/2006/relationships" xmlns:p="http://schemas.openxmlformats.org/presentationml/2006/main">
   <p:cSld>
@@ -215,7 +220,7 @@
           <a:p>
             <a:fld id="{42D82352-25AE-4D14-838F-F11A86B47BA9}" type="datetimeFigureOut">
               <a:rPr lang="en-US" smtClean="0"/>
-              <a:t>9/19/2017</a:t>
+              <a:t>9/20/2017</a:t>
             </a:fld>
             <a:endParaRPr lang="en-US"/>
           </a:p>
@@ -643,7 +648,7 @@
           <a:p>
             <a:fld id="{00366BEB-E4C9-8449-8A2D-59BBF3FF682F}" type="slidenum">
               <a:rPr lang="en-US" smtClean="0"/>
-              <a:t>4</a:t>
+              <a:t>5</a:t>
             </a:fld>
             <a:endParaRPr lang="en-US"/>
           </a:p>
@@ -807,7 +812,7 @@
             <a:fld id="{8DEC5DCC-01DA-4B14-80F1-4ACF77CDCF80}" type="datetimeFigureOut">
               <a:rPr lang="en-US" smtClean="0"/>
               <a:pPr/>
-              <a:t>9/19/2017</a:t>
+              <a:t>9/20/2017</a:t>
             </a:fld>
             <a:endParaRPr lang="en-US"/>
           </a:p>
@@ -1038,7 +1043,7 @@
             <a:fld id="{8DEC5DCC-01DA-4B14-80F1-4ACF77CDCF80}" type="datetimeFigureOut">
               <a:rPr lang="en-US" smtClean="0"/>
               <a:pPr/>
-              <a:t>9/19/2017</a:t>
+              <a:t>9/20/2017</a:t>
             </a:fld>
             <a:endParaRPr lang="en-US"/>
           </a:p>
@@ -1279,7 +1284,7 @@
             <a:fld id="{8DEC5DCC-01DA-4B14-80F1-4ACF77CDCF80}" type="datetimeFigureOut">
               <a:rPr lang="en-US" smtClean="0"/>
               <a:pPr/>
-              <a:t>9/19/2017</a:t>
+              <a:t>9/20/2017</a:t>
             </a:fld>
             <a:endParaRPr lang="en-US"/>
           </a:p>
@@ -1510,7 +1515,7 @@
             <a:fld id="{8DEC5DCC-01DA-4B14-80F1-4ACF77CDCF80}" type="datetimeFigureOut">
               <a:rPr lang="en-US" smtClean="0"/>
               <a:pPr/>
-              <a:t>9/19/2017</a:t>
+              <a:t>9/20/2017</a:t>
             </a:fld>
             <a:endParaRPr lang="en-US"/>
           </a:p>
@@ -1782,7 +1787,7 @@
             <a:fld id="{8DEC5DCC-01DA-4B14-80F1-4ACF77CDCF80}" type="datetimeFigureOut">
               <a:rPr lang="en-US" smtClean="0"/>
               <a:pPr/>
-              <a:t>9/19/2017</a:t>
+              <a:t>9/20/2017</a:t>
             </a:fld>
             <a:endParaRPr lang="en-US"/>
           </a:p>
@@ -2106,7 +2111,7 @@
             <a:fld id="{8DEC5DCC-01DA-4B14-80F1-4ACF77CDCF80}" type="datetimeFigureOut">
               <a:rPr lang="en-US" smtClean="0"/>
               <a:pPr/>
-              <a:t>9/19/2017</a:t>
+              <a:t>9/20/2017</a:t>
             </a:fld>
             <a:endParaRPr lang="en-US"/>
           </a:p>
@@ -2571,7 +2576,7 @@
             <a:fld id="{8DEC5DCC-01DA-4B14-80F1-4ACF77CDCF80}" type="datetimeFigureOut">
               <a:rPr lang="en-US" smtClean="0"/>
               <a:pPr/>
-              <a:t>9/19/2017</a:t>
+              <a:t>9/20/2017</a:t>
             </a:fld>
             <a:endParaRPr lang="en-US"/>
           </a:p>
@@ -2719,7 +2724,7 @@
             <a:fld id="{8DEC5DCC-01DA-4B14-80F1-4ACF77CDCF80}" type="datetimeFigureOut">
               <a:rPr lang="en-US" smtClean="0"/>
               <a:pPr/>
-              <a:t>9/19/2017</a:t>
+              <a:t>9/20/2017</a:t>
             </a:fld>
             <a:endParaRPr lang="en-US"/>
           </a:p>
@@ -2837,7 +2842,7 @@
             <a:fld id="{8DEC5DCC-01DA-4B14-80F1-4ACF77CDCF80}" type="datetimeFigureOut">
               <a:rPr lang="en-US" smtClean="0"/>
               <a:pPr/>
-              <a:t>9/19/2017</a:t>
+              <a:t>9/20/2017</a:t>
             </a:fld>
             <a:endParaRPr lang="en-US"/>
           </a:p>
@@ -3158,7 +3163,7 @@
             <a:fld id="{8DEC5DCC-01DA-4B14-80F1-4ACF77CDCF80}" type="datetimeFigureOut">
               <a:rPr lang="en-US" smtClean="0"/>
               <a:pPr/>
-              <a:t>9/19/2017</a:t>
+              <a:t>9/20/2017</a:t>
             </a:fld>
             <a:endParaRPr lang="en-US"/>
           </a:p>
@@ -3447,7 +3452,7 @@
             <a:fld id="{8DEC5DCC-01DA-4B14-80F1-4ACF77CDCF80}" type="datetimeFigureOut">
               <a:rPr lang="en-US" smtClean="0"/>
               <a:pPr/>
-              <a:t>9/19/2017</a:t>
+              <a:t>9/20/2017</a:t>
             </a:fld>
             <a:endParaRPr lang="en-US"/>
           </a:p>
@@ -3675,7 +3680,7 @@
           <a:p>
             <a:fld id="{8DEC5DCC-01DA-4B14-80F1-4ACF77CDCF80}" type="datetimeFigureOut">
               <a:rPr lang="en-US" smtClean="0"/>
-              <a:t>9/19/2017</a:t>
+              <a:t>9/20/2017</a:t>
             </a:fld>
             <a:endParaRPr lang="en-US"/>
           </a:p>
@@ -4983,6 +4988,472 @@
           <a:chExt cx="0" cy="0"/>
         </a:xfrm>
       </p:grpSpPr>
+      <p:sp>
+        <p:nvSpPr>
+          <p:cNvPr id="3" name="Content Placeholder 2">
+            <a:extLst>
+              <a:ext uri="{FF2B5EF4-FFF2-40B4-BE49-F238E27FC236}">
+                <a16:creationId xmlns:a16="http://schemas.microsoft.com/office/drawing/2014/main" id="{1C7644FD-46D2-4CCE-BAF8-0C9CD426C976}"/>
+              </a:ext>
+            </a:extLst>
+          </p:cNvPr>
+          <p:cNvSpPr>
+            <a:spLocks noGrp="1"/>
+          </p:cNvSpPr>
+          <p:nvPr>
+            <p:ph idx="1"/>
+          </p:nvPr>
+        </p:nvSpPr>
+        <p:spPr>
+          <a:xfrm>
+            <a:off x="723167" y="733425"/>
+            <a:ext cx="7886700" cy="5562600"/>
+          </a:xfrm>
+        </p:spPr>
+        <p:txBody>
+          <a:bodyPr>
+            <a:normAutofit fontScale="85000" lnSpcReduction="10000"/>
+          </a:bodyPr>
+          <a:lstStyle/>
+          <a:p>
+            <a:pPr marL="0" indent="0">
+              <a:lnSpc>
+                <a:spcPct val="170000"/>
+              </a:lnSpc>
+              <a:buNone/>
+            </a:pPr>
+            <a:r>
+              <a:rPr lang="en-US" altLang="zh-CN" sz="1400" dirty="0"/>
+              <a:t>This course introduces current developments in web mapping and advanced cartographic skills applied to interactive map design. </a:t>
+            </a:r>
+          </a:p>
+          <a:p>
+            <a:pPr marL="0" indent="0">
+              <a:lnSpc>
+                <a:spcPct val="170000"/>
+              </a:lnSpc>
+              <a:buNone/>
+            </a:pPr>
+            <a:r>
+              <a:rPr lang="en-US" altLang="zh-CN" sz="1400" dirty="0"/>
+              <a:t>By using open sourced frameworks (Leaflet, Cesium, storymap.js, Bootstrap, jQuery), project management services (GitHub), web mapping services (GeoServer, Mapbox), students can learn both the principles of web-based cartography and the practical skills for web mapping, and also absorb both aesthetics and critique of interactive map. </a:t>
+            </a:r>
+          </a:p>
+          <a:p>
+            <a:pPr marL="0" indent="0">
+              <a:lnSpc>
+                <a:spcPct val="170000"/>
+              </a:lnSpc>
+              <a:buNone/>
+            </a:pPr>
+            <a:r>
+              <a:rPr lang="en-US" altLang="zh-CN" sz="1400" dirty="0"/>
+              <a:t>The lectures focus on the theories and principles behind web mapping, including system architecture, responsive design, user graphic design, map design and geo-narrative. </a:t>
+            </a:r>
+          </a:p>
+          <a:p>
+            <a:pPr marL="0" indent="0">
+              <a:lnSpc>
+                <a:spcPct val="170000"/>
+              </a:lnSpc>
+              <a:buNone/>
+            </a:pPr>
+            <a:r>
+              <a:rPr lang="en-US" altLang="zh-CN" sz="1400" dirty="0"/>
+              <a:t>The lab exercises focus on practical skills for web programming, 2d and 3d web mapping, web mapping services, and digital storytelling. The mid-term focuses on basic concepts and web programming techniques. </a:t>
+            </a:r>
+          </a:p>
+          <a:p>
+            <a:pPr marL="0" indent="0">
+              <a:lnSpc>
+                <a:spcPct val="170000"/>
+              </a:lnSpc>
+              <a:buNone/>
+            </a:pPr>
+            <a:r>
+              <a:rPr lang="en-US" altLang="zh-CN" sz="1400" dirty="0"/>
+              <a:t>There is no final exam, but each student is expected to design a web maps and deploy it to an openly accessible server.</a:t>
+            </a:r>
+          </a:p>
+          <a:p>
+            <a:pPr marL="0" indent="0">
+              <a:lnSpc>
+                <a:spcPct val="170000"/>
+              </a:lnSpc>
+              <a:buNone/>
+            </a:pPr>
+            <a:endParaRPr lang="en-US" altLang="zh-CN" sz="1400" dirty="0"/>
+          </a:p>
+          <a:p>
+            <a:r>
+              <a:rPr lang="en-US" altLang="zh-CN" sz="1600" b="1" dirty="0">
+                <a:solidFill>
+                  <a:srgbClr val="24292E"/>
+                </a:solidFill>
+                <a:latin typeface="-apple-system"/>
+              </a:rPr>
+              <a:t>Programming Languages: </a:t>
+            </a:r>
+            <a:r>
+              <a:rPr lang="en-US" altLang="zh-CN" sz="1600" dirty="0">
+                <a:solidFill>
+                  <a:srgbClr val="24292E"/>
+                </a:solidFill>
+                <a:latin typeface="-apple-system"/>
+              </a:rPr>
+              <a:t>Html, CSS, Javascript, Markdown and GeoJson</a:t>
+            </a:r>
+          </a:p>
+          <a:p>
+            <a:r>
+              <a:rPr lang="en-US" altLang="zh-CN" sz="1600" b="1" dirty="0">
+                <a:solidFill>
+                  <a:srgbClr val="24292E"/>
+                </a:solidFill>
+                <a:latin typeface="-apple-system"/>
+              </a:rPr>
+              <a:t>Desktop Software: </a:t>
+            </a:r>
+            <a:r>
+              <a:rPr lang="en-US" altLang="zh-CN" sz="1600" dirty="0">
+                <a:solidFill>
+                  <a:srgbClr val="0366D6"/>
+                </a:solidFill>
+                <a:latin typeface="-apple-system"/>
+                <a:hlinkClick r:id="rId2"/>
+              </a:rPr>
+              <a:t>Chrome</a:t>
+            </a:r>
+            <a:r>
+              <a:rPr lang="en-US" altLang="zh-CN" sz="1600" dirty="0">
+                <a:solidFill>
+                  <a:srgbClr val="24292E"/>
+                </a:solidFill>
+                <a:latin typeface="-apple-system"/>
+              </a:rPr>
+              <a:t>, </a:t>
+            </a:r>
+            <a:r>
+              <a:rPr lang="en-US" altLang="zh-CN" sz="1600" dirty="0">
+                <a:solidFill>
+                  <a:srgbClr val="0366D6"/>
+                </a:solidFill>
+                <a:latin typeface="-apple-system"/>
+                <a:hlinkClick r:id="rId3"/>
+              </a:rPr>
+              <a:t>Webstorm</a:t>
+            </a:r>
+            <a:r>
+              <a:rPr lang="en-US" altLang="zh-CN" sz="1600" dirty="0">
+                <a:solidFill>
+                  <a:srgbClr val="24292E"/>
+                </a:solidFill>
+                <a:latin typeface="-apple-system"/>
+              </a:rPr>
+              <a:t>, </a:t>
+            </a:r>
+            <a:r>
+              <a:rPr lang="en-US" altLang="zh-CN" sz="1600" dirty="0">
+                <a:solidFill>
+                  <a:srgbClr val="0366D6"/>
+                </a:solidFill>
+                <a:latin typeface="-apple-system"/>
+                <a:hlinkClick r:id="rId4"/>
+              </a:rPr>
+              <a:t>Typora</a:t>
+            </a:r>
+            <a:r>
+              <a:rPr lang="en-US" altLang="zh-CN" sz="1600" dirty="0">
+                <a:solidFill>
+                  <a:srgbClr val="24292E"/>
+                </a:solidFill>
+                <a:latin typeface="-apple-system"/>
+              </a:rPr>
+              <a:t>, </a:t>
+            </a:r>
+            <a:r>
+              <a:rPr lang="en-US" altLang="zh-CN" sz="1600" dirty="0">
+                <a:solidFill>
+                  <a:srgbClr val="0366D6"/>
+                </a:solidFill>
+                <a:latin typeface="-apple-system"/>
+                <a:hlinkClick r:id="rId5"/>
+              </a:rPr>
+              <a:t>QGIS</a:t>
+            </a:r>
+            <a:r>
+              <a:rPr lang="en-US" altLang="zh-CN" sz="1600" dirty="0">
+                <a:solidFill>
+                  <a:srgbClr val="24292E"/>
+                </a:solidFill>
+                <a:latin typeface="-apple-system"/>
+              </a:rPr>
+              <a:t>, and </a:t>
+            </a:r>
+            <a:r>
+              <a:rPr lang="en-US" altLang="zh-CN" sz="1600" dirty="0">
+                <a:solidFill>
+                  <a:srgbClr val="0366D6"/>
+                </a:solidFill>
+                <a:latin typeface="-apple-system"/>
+                <a:hlinkClick r:id="rId6"/>
+              </a:rPr>
+              <a:t>GeoServer</a:t>
+            </a:r>
+            <a:endParaRPr lang="en-US" altLang="zh-CN" sz="1600" dirty="0">
+              <a:solidFill>
+                <a:srgbClr val="24292E"/>
+              </a:solidFill>
+              <a:latin typeface="-apple-system"/>
+            </a:endParaRPr>
+          </a:p>
+          <a:p>
+            <a:r>
+              <a:rPr lang="en-US" altLang="zh-CN" sz="1600" b="1" dirty="0">
+                <a:solidFill>
+                  <a:srgbClr val="24292E"/>
+                </a:solidFill>
+                <a:latin typeface="-apple-system"/>
+              </a:rPr>
+              <a:t>Web Services: </a:t>
+            </a:r>
+            <a:r>
+              <a:rPr lang="en-US" altLang="zh-CN" sz="1600" dirty="0">
+                <a:solidFill>
+                  <a:srgbClr val="0366D6"/>
+                </a:solidFill>
+                <a:latin typeface="-apple-system"/>
+                <a:hlinkClick r:id="rId7"/>
+              </a:rPr>
+              <a:t>GitHub</a:t>
+            </a:r>
+            <a:r>
+              <a:rPr lang="en-US" altLang="zh-CN" sz="1600" dirty="0">
+                <a:solidFill>
+                  <a:srgbClr val="24292E"/>
+                </a:solidFill>
+                <a:latin typeface="-apple-system"/>
+              </a:rPr>
+              <a:t>, </a:t>
+            </a:r>
+            <a:r>
+              <a:rPr lang="en-US" altLang="zh-CN" sz="1600" dirty="0" err="1">
+                <a:solidFill>
+                  <a:srgbClr val="0366D6"/>
+                </a:solidFill>
+                <a:latin typeface="-apple-system"/>
+                <a:hlinkClick r:id="rId8"/>
+              </a:rPr>
+              <a:t>jsfiddle</a:t>
+            </a:r>
+            <a:r>
+              <a:rPr lang="en-US" altLang="zh-CN" sz="1600" dirty="0">
+                <a:solidFill>
+                  <a:srgbClr val="24292E"/>
+                </a:solidFill>
+                <a:latin typeface="-apple-system"/>
+              </a:rPr>
+              <a:t>, </a:t>
+            </a:r>
+            <a:r>
+              <a:rPr lang="en-US" altLang="zh-CN" sz="1600" dirty="0">
+                <a:solidFill>
+                  <a:srgbClr val="0366D6"/>
+                </a:solidFill>
+                <a:latin typeface="-apple-system"/>
+                <a:hlinkClick r:id="rId9"/>
+              </a:rPr>
+              <a:t>Mapbox</a:t>
+            </a:r>
+            <a:r>
+              <a:rPr lang="en-US" altLang="zh-CN" sz="1600" dirty="0">
+                <a:solidFill>
+                  <a:srgbClr val="24292E"/>
+                </a:solidFill>
+                <a:latin typeface="-apple-system"/>
+              </a:rPr>
+              <a:t>, </a:t>
+            </a:r>
+            <a:r>
+              <a:rPr lang="en-US" altLang="zh-CN" sz="1600" dirty="0">
+                <a:solidFill>
+                  <a:srgbClr val="0366D6"/>
+                </a:solidFill>
+                <a:latin typeface="-apple-system"/>
+                <a:hlinkClick r:id="rId10"/>
+              </a:rPr>
+              <a:t>W3Schools</a:t>
+            </a:r>
+            <a:r>
+              <a:rPr lang="en-US" altLang="zh-CN" sz="1600" dirty="0">
+                <a:solidFill>
+                  <a:srgbClr val="24292E"/>
+                </a:solidFill>
+                <a:latin typeface="-apple-system"/>
+              </a:rPr>
+              <a:t>, and </a:t>
+            </a:r>
+            <a:r>
+              <a:rPr lang="en-US" altLang="zh-CN" sz="1600" dirty="0">
+                <a:solidFill>
+                  <a:srgbClr val="0366D6"/>
+                </a:solidFill>
+                <a:latin typeface="-apple-system"/>
+                <a:hlinkClick r:id="rId11"/>
+              </a:rPr>
+              <a:t>geojson.io</a:t>
+            </a:r>
+            <a:endParaRPr lang="en-US" altLang="zh-CN" sz="1600" dirty="0">
+              <a:solidFill>
+                <a:srgbClr val="24292E"/>
+              </a:solidFill>
+              <a:latin typeface="-apple-system"/>
+            </a:endParaRPr>
+          </a:p>
+          <a:p>
+            <a:r>
+              <a:rPr lang="en-US" altLang="zh-CN" sz="1600" b="1" dirty="0">
+                <a:solidFill>
+                  <a:srgbClr val="24292E"/>
+                </a:solidFill>
+                <a:latin typeface="-apple-system"/>
+              </a:rPr>
+              <a:t>Libraries for Web Mapping: </a:t>
+            </a:r>
+            <a:r>
+              <a:rPr lang="en-US" altLang="zh-CN" sz="1600" dirty="0" err="1">
+                <a:solidFill>
+                  <a:srgbClr val="0366D6"/>
+                </a:solidFill>
+                <a:latin typeface="-apple-system"/>
+                <a:hlinkClick r:id="rId12"/>
+              </a:rPr>
+              <a:t>Jquery</a:t>
+            </a:r>
+            <a:r>
+              <a:rPr lang="en-US" altLang="zh-CN" sz="1600" dirty="0">
+                <a:solidFill>
+                  <a:srgbClr val="24292E"/>
+                </a:solidFill>
+                <a:latin typeface="-apple-system"/>
+              </a:rPr>
+              <a:t>, </a:t>
+            </a:r>
+            <a:r>
+              <a:rPr lang="en-US" altLang="zh-CN" sz="1600" dirty="0">
+                <a:solidFill>
+                  <a:srgbClr val="0366D6"/>
+                </a:solidFill>
+                <a:latin typeface="-apple-system"/>
+                <a:hlinkClick r:id="rId13"/>
+              </a:rPr>
+              <a:t>Bootstrap</a:t>
+            </a:r>
+            <a:r>
+              <a:rPr lang="en-US" altLang="zh-CN" sz="1600" dirty="0">
+                <a:solidFill>
+                  <a:srgbClr val="24292E"/>
+                </a:solidFill>
+                <a:latin typeface="-apple-system"/>
+              </a:rPr>
+              <a:t>, </a:t>
+            </a:r>
+            <a:r>
+              <a:rPr lang="en-US" altLang="zh-CN" sz="1600" dirty="0">
+                <a:solidFill>
+                  <a:srgbClr val="0366D6"/>
+                </a:solidFill>
+                <a:latin typeface="-apple-system"/>
+                <a:hlinkClick r:id="rId14"/>
+              </a:rPr>
+              <a:t>Leaflet</a:t>
+            </a:r>
+            <a:r>
+              <a:rPr lang="en-US" altLang="zh-CN" sz="1600" dirty="0">
+                <a:solidFill>
+                  <a:srgbClr val="24292E"/>
+                </a:solidFill>
+                <a:latin typeface="-apple-system"/>
+              </a:rPr>
+              <a:t>, </a:t>
+            </a:r>
+            <a:r>
+              <a:rPr lang="en-US" altLang="zh-CN" sz="1600" dirty="0">
+                <a:solidFill>
+                  <a:srgbClr val="0366D6"/>
+                </a:solidFill>
+                <a:latin typeface="-apple-system"/>
+                <a:hlinkClick r:id="rId15"/>
+              </a:rPr>
+              <a:t>Storymap.js</a:t>
+            </a:r>
+            <a:r>
+              <a:rPr lang="en-US" altLang="zh-CN" sz="1600" dirty="0">
+                <a:solidFill>
+                  <a:srgbClr val="24292E"/>
+                </a:solidFill>
+                <a:latin typeface="-apple-system"/>
+              </a:rPr>
+              <a:t>, and </a:t>
+            </a:r>
+            <a:r>
+              <a:rPr lang="en-US" altLang="zh-CN" sz="1600" dirty="0">
+                <a:solidFill>
+                  <a:srgbClr val="0366D6"/>
+                </a:solidFill>
+                <a:latin typeface="-apple-system"/>
+                <a:hlinkClick r:id="rId16"/>
+              </a:rPr>
+              <a:t>Cesium</a:t>
+            </a:r>
+            <a:endParaRPr lang="en-US" altLang="zh-CN" sz="1600" dirty="0">
+              <a:solidFill>
+                <a:srgbClr val="24292E"/>
+              </a:solidFill>
+              <a:latin typeface="-apple-system"/>
+            </a:endParaRPr>
+          </a:p>
+          <a:p>
+            <a:pPr marL="0" indent="0">
+              <a:lnSpc>
+                <a:spcPct val="170000"/>
+              </a:lnSpc>
+              <a:buNone/>
+            </a:pPr>
+            <a:endParaRPr lang="en-US" altLang="zh-CN" sz="1200" dirty="0"/>
+          </a:p>
+        </p:txBody>
+      </p:sp>
+    </p:spTree>
+    <p:extLst>
+      <p:ext uri="{BB962C8B-B14F-4D97-AF65-F5344CB8AC3E}">
+        <p14:creationId xmlns:p14="http://schemas.microsoft.com/office/powerpoint/2010/main" val="2505795704"/>
+      </p:ext>
+    </p:extLst>
+  </p:cSld>
+  <p:clrMapOvr>
+    <a:masterClrMapping/>
+  </p:clrMapOvr>
+</p:sld>
+</file>
+
+<file path=ppt/slides/slide5.xml><?xml version="1.0" encoding="utf-8"?>
+<p:sld xmlns:a="http://schemas.openxmlformats.org/drawingml/2006/main" xmlns:r="http://schemas.openxmlformats.org/officeDocument/2006/relationships" xmlns:p="http://schemas.openxmlformats.org/presentationml/2006/main">
+  <p:cSld>
+    <p:spTree>
+      <p:nvGrpSpPr>
+        <p:cNvPr id="1" name=""/>
+        <p:cNvGrpSpPr/>
+        <p:nvPr/>
+      </p:nvGrpSpPr>
+      <p:grpSpPr>
+        <a:xfrm>
+          <a:off x="0" y="0"/>
+          <a:ext cx="0" cy="0"/>
+          <a:chOff x="0" y="0"/>
+          <a:chExt cx="0" cy="0"/>
+        </a:xfrm>
+      </p:grpSpPr>
       <p:graphicFrame>
         <p:nvGraphicFramePr>
           <p:cNvPr id="9" name="Table 8"/>
@@ -4992,13 +5463,13 @@
           <p:nvPr>
             <p:extLst>
               <p:ext uri="{D42A27DB-BD31-4B8C-83A1-F6EECF244321}">
-                <p14:modId xmlns:p14="http://schemas.microsoft.com/office/powerpoint/2010/main" val="309608189"/>
+                <p14:modId xmlns:p14="http://schemas.microsoft.com/office/powerpoint/2010/main" val="3270435457"/>
               </p:ext>
             </p:extLst>
           </p:nvPr>
         </p:nvGraphicFramePr>
         <p:xfrm>
-          <a:off x="1150990" y="1539276"/>
+          <a:off x="1322440" y="1644051"/>
           <a:ext cx="6879030" cy="2704907"/>
         </p:xfrm>
         <a:graphic>
@@ -5160,7 +5631,13 @@
                         <a:rPr lang="en-US" sz="1800" dirty="0">
                           <a:effectLst/>
                         </a:rPr>
-                        <a:t>     Office: 347 Strand Ag Hall</a:t>
+                        <a:t> Office: Strand Ag Hall </a:t>
+                      </a:r>
+                      <a:r>
+                        <a:rPr lang="en-US" altLang="zh-CN" sz="1800" dirty="0">
+                          <a:effectLst/>
+                        </a:rPr>
+                        <a:t>347 </a:t>
                       </a:r>
                       <a:endParaRPr lang="en-US" sz="1800" dirty="0">
                         <a:effectLst/>
@@ -5234,7 +5711,7 @@
                         <a:rPr lang="en-US" sz="1800" dirty="0">
                           <a:effectLst/>
                         </a:rPr>
-                        <a:t>     Office Hours: 2-3pm W or by appointment</a:t>
+                        <a:t> Office Hours: 1400-1500 W or by appointment</a:t>
                       </a:r>
                       <a:endParaRPr lang="en-US" sz="1800" dirty="0">
                         <a:effectLst/>
@@ -5572,7 +6049,7 @@
 </p:sld>
 </file>
 
-<file path=ppt/slides/slide5.xml><?xml version="1.0" encoding="utf-8"?>
+<file path=ppt/slides/slide6.xml><?xml version="1.0" encoding="utf-8"?>
 <p:sld xmlns:a="http://schemas.openxmlformats.org/drawingml/2006/main" xmlns:r="http://schemas.openxmlformats.org/officeDocument/2006/relationships" xmlns:p="http://schemas.openxmlformats.org/presentationml/2006/main">
   <p:cSld>
     <p:spTree>
@@ -5789,7 +6266,7 @@
 </p:sld>
 </file>
 
-<file path=ppt/slides/slide6.xml><?xml version="1.0" encoding="utf-8"?>
+<file path=ppt/slides/slide7.xml><?xml version="1.0" encoding="utf-8"?>
 <p:sld xmlns:a="http://schemas.openxmlformats.org/drawingml/2006/main" xmlns:r="http://schemas.openxmlformats.org/officeDocument/2006/relationships" xmlns:p="http://schemas.openxmlformats.org/presentationml/2006/main">
   <p:cSld>
     <p:spTree>
@@ -8431,7 +8908,7 @@
                     <a:lstStyle/>
                     <a:p>
                       <a:r>
-                        <a:rPr lang="en-US" sz="1000">
+                        <a:rPr lang="en-US" sz="1000" dirty="0">
                           <a:effectLst/>
                         </a:rPr>
                         <a:t>Lab 5: Story Map</a:t>
@@ -9952,7 +10429,7 @@
 </p:sld>
 </file>
 
-<file path=ppt/slides/slide7.xml><?xml version="1.0" encoding="utf-8"?>
+<file path=ppt/slides/slide8.xml><?xml version="1.0" encoding="utf-8"?>
 <p:sld xmlns:a="http://schemas.openxmlformats.org/drawingml/2006/main" xmlns:r="http://schemas.openxmlformats.org/officeDocument/2006/relationships" xmlns:p="http://schemas.openxmlformats.org/presentationml/2006/main">
   <p:cSld>
     <p:spTree>
@@ -10033,7 +10510,7 @@
 </p:sld>
 </file>
 
-<file path=ppt/slides/slide8.xml><?xml version="1.0" encoding="utf-8"?>
+<file path=ppt/slides/slide9.xml><?xml version="1.0" encoding="utf-8"?>
 <p:sld xmlns:a="http://schemas.openxmlformats.org/drawingml/2006/main" xmlns:r="http://schemas.openxmlformats.org/officeDocument/2006/relationships" xmlns:p="http://schemas.openxmlformats.org/presentationml/2006/main">
   <p:cSld>
     <p:spTree>
